--- a/OppAffaire/Présentation orale/A UTILISER modèles slides.pptx
+++ b/OppAffaire/Présentation orale/A UTILISER modèles slides.pptx
@@ -5,13 +5,15 @@
     <p:sldMasterId id="2147483660" r:id="rId1"/>
   </p:sldMasterIdLst>
   <p:notesMasterIdLst>
-    <p:notesMasterId r:id="rId3"/>
+    <p:notesMasterId r:id="rId5"/>
   </p:notesMasterIdLst>
   <p:handoutMasterIdLst>
-    <p:handoutMasterId r:id="rId4"/>
+    <p:handoutMasterId r:id="rId6"/>
   </p:handoutMasterIdLst>
   <p:sldIdLst>
     <p:sldId id="256" r:id="rId2"/>
+    <p:sldId id="257" r:id="rId3"/>
+    <p:sldId id="258" r:id="rId4"/>
   </p:sldIdLst>
   <p:sldSz cx="9144000" cy="6858000" type="screen4x3"/>
   <p:notesSz cx="6858000" cy="9144000"/>
@@ -146,12 +148,14 @@
         <p14:section name="Section par défaut" id="{EA3375F1-B643-4D07-8980-05F8EC3A54AC}">
           <p14:sldIdLst>
             <p14:sldId id="256"/>
+            <p14:sldId id="257"/>
+            <p14:sldId id="258"/>
           </p14:sldIdLst>
         </p14:section>
       </p14:sectionLst>
     </p:ext>
     <p:ext uri="{EFAFB233-063F-42B5-8137-9DF3F51BA10A}">
-      <p15:sldGuideLst xmlns:p15="http://schemas.microsoft.com/office/powerpoint/2012/main" xmlns="">
+      <p15:sldGuideLst xmlns="" xmlns:p15="http://schemas.microsoft.com/office/powerpoint/2012/main">
         <p15:guide id="1" orient="horz" pos="2160">
           <p15:clr>
             <a:srgbClr val="A4A3A4"/>
@@ -165,7 +169,7 @@
       </p15:sldGuideLst>
     </p:ext>
     <p:ext uri="{2D200454-40CA-4A62-9FC3-DE9A4176ACB9}">
-      <p15:notesGuideLst xmlns:p15="http://schemas.microsoft.com/office/powerpoint/2012/main" xmlns="">
+      <p15:notesGuideLst xmlns="" xmlns:p15="http://schemas.microsoft.com/office/powerpoint/2012/main">
         <p15:guide id="1" orient="horz" pos="2880">
           <p15:clr>
             <a:srgbClr val="A4A3A4"/>
@@ -2160,6 +2164,190 @@
 </p:sld>
 </file>
 
+<file path=ppt/slides/slide2.xml><?xml version="1.0" encoding="utf-8"?>
+<p:sld xmlns:a="http://schemas.openxmlformats.org/drawingml/2006/main" xmlns:r="http://schemas.openxmlformats.org/officeDocument/2006/relationships" xmlns:p="http://schemas.openxmlformats.org/presentationml/2006/main">
+  <p:cSld>
+    <p:spTree>
+      <p:nvGrpSpPr>
+        <p:cNvPr id="1" name=""/>
+        <p:cNvGrpSpPr/>
+        <p:nvPr/>
+      </p:nvGrpSpPr>
+      <p:grpSpPr>
+        <a:xfrm>
+          <a:off x="0" y="0"/>
+          <a:ext cx="0" cy="0"/>
+          <a:chOff x="0" y="0"/>
+          <a:chExt cx="0" cy="0"/>
+        </a:xfrm>
+      </p:grpSpPr>
+      <p:sp>
+        <p:nvSpPr>
+          <p:cNvPr id="2" name="Espace réservé du numéro de diapositive 1"/>
+          <p:cNvSpPr>
+            <a:spLocks noGrp="1"/>
+          </p:cNvSpPr>
+          <p:nvPr>
+            <p:ph type="sldNum" sz="quarter" idx="4"/>
+          </p:nvPr>
+        </p:nvSpPr>
+        <p:spPr/>
+        <p:txBody>
+          <a:bodyPr/>
+          <a:lstStyle/>
+          <a:p>
+            <a:fld id="{AF5033CA-5AE6-4050-846C-3380E9744264}" type="slidenum">
+              <a:rPr lang="fr-FR" smtClean="0"/>
+              <a:pPr/>
+              <a:t>2</a:t>
+            </a:fld>
+            <a:endParaRPr lang="fr-FR" dirty="0"/>
+          </a:p>
+        </p:txBody>
+      </p:sp>
+      <p:sp>
+        <p:nvSpPr>
+          <p:cNvPr id="3" name="Titre 2"/>
+          <p:cNvSpPr>
+            <a:spLocks noGrp="1"/>
+          </p:cNvSpPr>
+          <p:nvPr>
+            <p:ph type="title"/>
+          </p:nvPr>
+        </p:nvSpPr>
+        <p:spPr/>
+        <p:txBody>
+          <a:bodyPr/>
+          <a:lstStyle/>
+          <a:p>
+            <a:endParaRPr lang="fr-FR"/>
+          </a:p>
+        </p:txBody>
+      </p:sp>
+      <p:sp>
+        <p:nvSpPr>
+          <p:cNvPr id="4" name="Espace réservé du contenu 3"/>
+          <p:cNvSpPr>
+            <a:spLocks noGrp="1"/>
+          </p:cNvSpPr>
+          <p:nvPr>
+            <p:ph sz="quarter" idx="19"/>
+          </p:nvPr>
+        </p:nvSpPr>
+        <p:spPr/>
+        <p:txBody>
+          <a:bodyPr/>
+          <a:lstStyle/>
+          <a:p>
+            <a:endParaRPr lang="fr-FR"/>
+          </a:p>
+        </p:txBody>
+      </p:sp>
+    </p:spTree>
+    <p:extLst>
+      <p:ext uri="{BB962C8B-B14F-4D97-AF65-F5344CB8AC3E}">
+        <p14:creationId xmlns:p14="http://schemas.microsoft.com/office/powerpoint/2010/main" val="1642728171"/>
+      </p:ext>
+    </p:extLst>
+  </p:cSld>
+  <p:clrMapOvr>
+    <a:masterClrMapping/>
+  </p:clrMapOvr>
+</p:sld>
+</file>
+
+<file path=ppt/slides/slide3.xml><?xml version="1.0" encoding="utf-8"?>
+<p:sld xmlns:a="http://schemas.openxmlformats.org/drawingml/2006/main" xmlns:r="http://schemas.openxmlformats.org/officeDocument/2006/relationships" xmlns:p="http://schemas.openxmlformats.org/presentationml/2006/main">
+  <p:cSld>
+    <p:spTree>
+      <p:nvGrpSpPr>
+        <p:cNvPr id="1" name=""/>
+        <p:cNvGrpSpPr/>
+        <p:nvPr/>
+      </p:nvGrpSpPr>
+      <p:grpSpPr>
+        <a:xfrm>
+          <a:off x="0" y="0"/>
+          <a:ext cx="0" cy="0"/>
+          <a:chOff x="0" y="0"/>
+          <a:chExt cx="0" cy="0"/>
+        </a:xfrm>
+      </p:grpSpPr>
+      <p:sp>
+        <p:nvSpPr>
+          <p:cNvPr id="2" name="Espace réservé du numéro de diapositive 1"/>
+          <p:cNvSpPr>
+            <a:spLocks noGrp="1"/>
+          </p:cNvSpPr>
+          <p:nvPr>
+            <p:ph type="sldNum" sz="quarter" idx="4"/>
+          </p:nvPr>
+        </p:nvSpPr>
+        <p:spPr/>
+        <p:txBody>
+          <a:bodyPr/>
+          <a:lstStyle/>
+          <a:p>
+            <a:fld id="{AF5033CA-5AE6-4050-846C-3380E9744264}" type="slidenum">
+              <a:rPr lang="fr-FR" smtClean="0"/>
+              <a:pPr/>
+              <a:t>3</a:t>
+            </a:fld>
+            <a:endParaRPr lang="fr-FR" dirty="0"/>
+          </a:p>
+        </p:txBody>
+      </p:sp>
+      <p:sp>
+        <p:nvSpPr>
+          <p:cNvPr id="3" name="Titre 2"/>
+          <p:cNvSpPr>
+            <a:spLocks noGrp="1"/>
+          </p:cNvSpPr>
+          <p:nvPr>
+            <p:ph type="title"/>
+          </p:nvPr>
+        </p:nvSpPr>
+        <p:spPr/>
+        <p:txBody>
+          <a:bodyPr/>
+          <a:lstStyle/>
+          <a:p>
+            <a:endParaRPr lang="fr-FR"/>
+          </a:p>
+        </p:txBody>
+      </p:sp>
+      <p:sp>
+        <p:nvSpPr>
+          <p:cNvPr id="4" name="Espace réservé du contenu 3"/>
+          <p:cNvSpPr>
+            <a:spLocks noGrp="1"/>
+          </p:cNvSpPr>
+          <p:nvPr>
+            <p:ph sz="quarter" idx="19"/>
+          </p:nvPr>
+        </p:nvSpPr>
+        <p:spPr/>
+        <p:txBody>
+          <a:bodyPr/>
+          <a:lstStyle/>
+          <a:p>
+            <a:endParaRPr lang="fr-FR"/>
+          </a:p>
+        </p:txBody>
+      </p:sp>
+    </p:spTree>
+    <p:extLst>
+      <p:ext uri="{BB962C8B-B14F-4D97-AF65-F5344CB8AC3E}">
+        <p14:creationId xmlns:p14="http://schemas.microsoft.com/office/powerpoint/2010/main" val="3333177613"/>
+      </p:ext>
+    </p:extLst>
+  </p:cSld>
+  <p:clrMapOvr>
+    <a:masterClrMapping/>
+  </p:clrMapOvr>
+</p:sld>
+</file>
+
 <file path=ppt/theme/theme1.xml><?xml version="1.0" encoding="utf-8"?>
 <a:theme xmlns:a="http://schemas.openxmlformats.org/drawingml/2006/main" name="Imp154 Modele presentation powerpoint (FR) Ines_IndD OD 2014-03-13">
   <a:themeElements>

--- a/OppAffaire/Présentation orale/A UTILISER modèles slides.pptx
+++ b/OppAffaire/Présentation orale/A UTILISER modèles slides.pptx
@@ -155,7 +155,7 @@
       </p14:sectionLst>
     </p:ext>
     <p:ext uri="{EFAFB233-063F-42B5-8137-9DF3F51BA10A}">
-      <p15:sldGuideLst xmlns="" xmlns:p15="http://schemas.microsoft.com/office/powerpoint/2012/main">
+      <p15:sldGuideLst xmlns:p15="http://schemas.microsoft.com/office/powerpoint/2012/main" xmlns="">
         <p15:guide id="1" orient="horz" pos="2160">
           <p15:clr>
             <a:srgbClr val="A4A3A4"/>
@@ -169,7 +169,7 @@
       </p15:sldGuideLst>
     </p:ext>
     <p:ext uri="{2D200454-40CA-4A62-9FC3-DE9A4176ACB9}">
-      <p15:notesGuideLst xmlns="" xmlns:p15="http://schemas.microsoft.com/office/powerpoint/2012/main">
+      <p15:notesGuideLst xmlns:p15="http://schemas.microsoft.com/office/powerpoint/2012/main" xmlns="">
         <p15:guide id="1" orient="horz" pos="2880">
           <p15:clr>
             <a:srgbClr val="A4A3A4"/>
@@ -1214,18 +1214,14 @@
           <a:lstStyle>
             <a:lvl1pPr marL="360363" indent="-360363">
               <a:buSzPct val="110000"/>
-              <a:buFontTx/>
-              <a:buBlip>
-                <a:blip r:embed="rId2"/>
-              </a:buBlip>
+              <a:buFont typeface="Arial" panose="020B0604020202020204" pitchFamily="34" charset="0"/>
+              <a:buChar char="•"/>
               <a:defRPr sz="1600"/>
             </a:lvl1pPr>
             <a:lvl2pPr marL="1168400" indent="-396875">
               <a:buSzPct val="50000"/>
-              <a:buFontTx/>
-              <a:buBlip>
-                <a:blip r:embed="rId3"/>
-              </a:buBlip>
+              <a:buFont typeface="Arial" panose="020B0604020202020204" pitchFamily="34" charset="0"/>
+              <a:buChar char="•"/>
               <a:defRPr sz="1400"/>
             </a:lvl2pPr>
             <a:lvl3pPr marL="1435100" indent="-285750">
@@ -1242,14 +1238,14 @@
           <a:p>
             <a:pPr lvl="1"/>
             <a:r>
-              <a:rPr lang="fr-FR" smtClean="0"/>
+              <a:rPr lang="fr-FR" dirty="0" smtClean="0"/>
               <a:t>Deuxième niveau</a:t>
             </a:r>
           </a:p>
           <a:p>
             <a:pPr lvl="2"/>
             <a:r>
-              <a:rPr lang="fr-FR" smtClean="0"/>
+              <a:rPr lang="fr-FR" dirty="0" smtClean="0"/>
               <a:t>Troisième niveau</a:t>
             </a:r>
           </a:p>

--- a/OppAffaire/Présentation orale/A UTILISER modèles slides.pptx
+++ b/OppAffaire/Présentation orale/A UTILISER modèles slides.pptx
@@ -155,7 +155,7 @@
       </p14:sectionLst>
     </p:ext>
     <p:ext uri="{EFAFB233-063F-42B5-8137-9DF3F51BA10A}">
-      <p15:sldGuideLst xmlns:p15="http://schemas.microsoft.com/office/powerpoint/2012/main" xmlns="">
+      <p15:sldGuideLst xmlns="" xmlns:p15="http://schemas.microsoft.com/office/powerpoint/2012/main">
         <p15:guide id="1" orient="horz" pos="2160">
           <p15:clr>
             <a:srgbClr val="A4A3A4"/>
@@ -169,7 +169,7 @@
       </p15:sldGuideLst>
     </p:ext>
     <p:ext uri="{2D200454-40CA-4A62-9FC3-DE9A4176ACB9}">
-      <p15:notesGuideLst xmlns:p15="http://schemas.microsoft.com/office/powerpoint/2012/main" xmlns="">
+      <p15:notesGuideLst xmlns="" xmlns:p15="http://schemas.microsoft.com/office/powerpoint/2012/main">
         <p15:guide id="1" orient="horz" pos="2880">
           <p15:clr>
             <a:srgbClr val="A4A3A4"/>

--- a/OppAffaire/Présentation orale/A UTILISER modèles slides.pptx
+++ b/OppAffaire/Présentation orale/A UTILISER modèles slides.pptx
@@ -155,7 +155,7 @@
       </p14:sectionLst>
     </p:ext>
     <p:ext uri="{EFAFB233-063F-42B5-8137-9DF3F51BA10A}">
-      <p15:sldGuideLst xmlns="" xmlns:p15="http://schemas.microsoft.com/office/powerpoint/2012/main">
+      <p15:sldGuideLst xmlns:p15="http://schemas.microsoft.com/office/powerpoint/2012/main" xmlns="">
         <p15:guide id="1" orient="horz" pos="2160">
           <p15:clr>
             <a:srgbClr val="A4A3A4"/>
@@ -169,7 +169,7 @@
       </p15:sldGuideLst>
     </p:ext>
     <p:ext uri="{2D200454-40CA-4A62-9FC3-DE9A4176ACB9}">
-      <p15:notesGuideLst xmlns="" xmlns:p15="http://schemas.microsoft.com/office/powerpoint/2012/main">
+      <p15:notesGuideLst xmlns:p15="http://schemas.microsoft.com/office/powerpoint/2012/main" xmlns="">
         <p15:guide id="1" orient="horz" pos="2880">
           <p15:clr>
             <a:srgbClr val="A4A3A4"/>
@@ -1360,160 +1360,6 @@
       </p:sp>
       <p:sp>
         <p:nvSpPr>
-          <p:cNvPr id="11" name="Espace réservé du numéro de diapositive 5"/>
-          <p:cNvSpPr txBox="1">
-            <a:spLocks/>
-          </p:cNvSpPr>
-          <p:nvPr/>
-        </p:nvSpPr>
-        <p:spPr>
-          <a:xfrm>
-            <a:off x="8244408" y="6651550"/>
-            <a:ext cx="864096" cy="126207"/>
-          </a:xfrm>
-          <a:prstGeom prst="rect">
-            <a:avLst/>
-          </a:prstGeom>
-        </p:spPr>
-        <p:txBody>
-          <a:bodyPr lIns="0" tIns="0" rIns="0" bIns="0" anchor="b"/>
-          <a:lstStyle>
-            <a:defPPr>
-              <a:defRPr lang="fr-FR"/>
-            </a:defPPr>
-            <a:lvl1pPr marL="0" algn="l" defTabSz="914400" rtl="0" eaLnBrk="1" latinLnBrk="0" hangingPunct="1">
-              <a:defRPr sz="1000" kern="1200">
-                <a:solidFill>
-                  <a:srgbClr val="666666"/>
-                </a:solidFill>
-                <a:latin typeface="+mn-lt"/>
-                <a:ea typeface="+mn-ea"/>
-                <a:cs typeface="+mn-cs"/>
-              </a:defRPr>
-            </a:lvl1pPr>
-            <a:lvl2pPr marL="457200" algn="l" defTabSz="914400" rtl="0" eaLnBrk="1" latinLnBrk="0" hangingPunct="1">
-              <a:defRPr sz="1800" kern="1200">
-                <a:solidFill>
-                  <a:schemeClr val="tx1"/>
-                </a:solidFill>
-                <a:latin typeface="+mn-lt"/>
-                <a:ea typeface="+mn-ea"/>
-                <a:cs typeface="+mn-cs"/>
-              </a:defRPr>
-            </a:lvl2pPr>
-            <a:lvl3pPr marL="914400" algn="l" defTabSz="914400" rtl="0" eaLnBrk="1" latinLnBrk="0" hangingPunct="1">
-              <a:defRPr sz="1800" kern="1200">
-                <a:solidFill>
-                  <a:schemeClr val="tx1"/>
-                </a:solidFill>
-                <a:latin typeface="+mn-lt"/>
-                <a:ea typeface="+mn-ea"/>
-                <a:cs typeface="+mn-cs"/>
-              </a:defRPr>
-            </a:lvl3pPr>
-            <a:lvl4pPr marL="1371600" algn="l" defTabSz="914400" rtl="0" eaLnBrk="1" latinLnBrk="0" hangingPunct="1">
-              <a:defRPr sz="1800" kern="1200">
-                <a:solidFill>
-                  <a:schemeClr val="tx1"/>
-                </a:solidFill>
-                <a:latin typeface="+mn-lt"/>
-                <a:ea typeface="+mn-ea"/>
-                <a:cs typeface="+mn-cs"/>
-              </a:defRPr>
-            </a:lvl4pPr>
-            <a:lvl5pPr marL="1828800" algn="l" defTabSz="914400" rtl="0" eaLnBrk="1" latinLnBrk="0" hangingPunct="1">
-              <a:defRPr sz="1800" kern="1200">
-                <a:solidFill>
-                  <a:schemeClr val="tx1"/>
-                </a:solidFill>
-                <a:latin typeface="+mn-lt"/>
-                <a:ea typeface="+mn-ea"/>
-                <a:cs typeface="+mn-cs"/>
-              </a:defRPr>
-            </a:lvl5pPr>
-            <a:lvl6pPr marL="2286000" algn="l" defTabSz="914400" rtl="0" eaLnBrk="1" latinLnBrk="0" hangingPunct="1">
-              <a:defRPr sz="1800" kern="1200">
-                <a:solidFill>
-                  <a:schemeClr val="tx1"/>
-                </a:solidFill>
-                <a:latin typeface="+mn-lt"/>
-                <a:ea typeface="+mn-ea"/>
-                <a:cs typeface="+mn-cs"/>
-              </a:defRPr>
-            </a:lvl6pPr>
-            <a:lvl7pPr marL="2743200" algn="l" defTabSz="914400" rtl="0" eaLnBrk="1" latinLnBrk="0" hangingPunct="1">
-              <a:defRPr sz="1800" kern="1200">
-                <a:solidFill>
-                  <a:schemeClr val="tx1"/>
-                </a:solidFill>
-                <a:latin typeface="+mn-lt"/>
-                <a:ea typeface="+mn-ea"/>
-                <a:cs typeface="+mn-cs"/>
-              </a:defRPr>
-            </a:lvl7pPr>
-            <a:lvl8pPr marL="3200400" algn="l" defTabSz="914400" rtl="0" eaLnBrk="1" latinLnBrk="0" hangingPunct="1">
-              <a:defRPr sz="1800" kern="1200">
-                <a:solidFill>
-                  <a:schemeClr val="tx1"/>
-                </a:solidFill>
-                <a:latin typeface="+mn-lt"/>
-                <a:ea typeface="+mn-ea"/>
-                <a:cs typeface="+mn-cs"/>
-              </a:defRPr>
-            </a:lvl8pPr>
-            <a:lvl9pPr marL="3657600" algn="l" defTabSz="914400" rtl="0" eaLnBrk="1" latinLnBrk="0" hangingPunct="1">
-              <a:defRPr sz="1800" kern="1200">
-                <a:solidFill>
-                  <a:schemeClr val="tx1"/>
-                </a:solidFill>
-                <a:latin typeface="+mn-lt"/>
-                <a:ea typeface="+mn-ea"/>
-                <a:cs typeface="+mn-cs"/>
-              </a:defRPr>
-            </a:lvl9pPr>
-          </a:lstStyle>
-          <a:p>
-            <a:pPr algn="r" fontAlgn="auto">
-              <a:spcBef>
-                <a:spcPts val="0"/>
-              </a:spcBef>
-              <a:spcAft>
-                <a:spcPts val="0"/>
-              </a:spcAft>
-              <a:defRPr/>
-            </a:pPr>
-            <a:r>
-              <a:rPr lang="fr-FR" sz="600" i="1" dirty="0" err="1" smtClean="0">
-                <a:solidFill>
-                  <a:schemeClr val="bg1">
-                    <a:lumMod val="75000"/>
-                  </a:schemeClr>
-                </a:solidFill>
-              </a:rPr>
-              <a:t>Imp</a:t>
-            </a:r>
-            <a:r>
-              <a:rPr lang="fr-FR" sz="600" i="1" dirty="0" smtClean="0">
-                <a:solidFill>
-                  <a:schemeClr val="bg1">
-                    <a:lumMod val="75000"/>
-                  </a:schemeClr>
-                </a:solidFill>
-              </a:rPr>
-              <a:t> 154 D - INES</a:t>
-            </a:r>
-            <a:endParaRPr lang="fr-FR" sz="600" i="1" dirty="0">
-              <a:solidFill>
-                <a:schemeClr val="bg1">
-                  <a:lumMod val="75000"/>
-                </a:schemeClr>
-              </a:solidFill>
-            </a:endParaRPr>
-          </a:p>
-        </p:txBody>
-      </p:sp>
-      <p:sp>
-        <p:nvSpPr>
           <p:cNvPr id="8" name="Espace réservé du numéro de diapositive 7"/>
           <p:cNvSpPr>
             <a:spLocks noGrp="1"/>
